--- a/Individual Projects/Fourth Progress Meeting/Fourth Progress Meeting.pptx
+++ b/Individual Projects/Fourth Progress Meeting/Fourth Progress Meeting.pptx
@@ -106,7 +106,71 @@
       </a:defRPr>
     </a:lvl9pPr>
   </p:defaultTextStyle>
+  <p:extLst>
+    <p:ext uri="{EFAFB233-063F-42B5-8137-9DF3F51BA10A}">
+      <p15:sldGuideLst xmlns:p15="http://schemas.microsoft.com/office/powerpoint/2012/main"/>
+    </p:ext>
+  </p:extLst>
 </p:presentation>
+</file>
+
+<file path=ppt/changesInfos/changesInfo1.xml><?xml version="1.0" encoding="utf-8"?>
+<pc:chgInfo xmlns:a="http://schemas.openxmlformats.org/drawingml/2006/main" xmlns:r="http://schemas.openxmlformats.org/officeDocument/2006/relationships" xmlns:ac="http://schemas.microsoft.com/office/drawing/2013/main/command" xmlns:pc="http://schemas.microsoft.com/office/powerpoint/2013/main/command">
+  <pc:docChgLst>
+    <pc:chgData name="Zhao Zhang" userId="a0a3655b90784889" providerId="LiveId" clId="{7020FF79-8156-4F83-8400-3D87824120EB}"/>
+    <pc:docChg chg="custSel modSld">
+      <pc:chgData name="Zhao Zhang" userId="a0a3655b90784889" providerId="LiveId" clId="{7020FF79-8156-4F83-8400-3D87824120EB}" dt="2021-03-12T11:56:07.330" v="638" actId="20577"/>
+      <pc:docMkLst>
+        <pc:docMk/>
+      </pc:docMkLst>
+      <pc:sldChg chg="modSp mod">
+        <pc:chgData name="Zhao Zhang" userId="a0a3655b90784889" providerId="LiveId" clId="{7020FF79-8156-4F83-8400-3D87824120EB}" dt="2021-03-12T11:56:07.330" v="638" actId="20577"/>
+        <pc:sldMkLst>
+          <pc:docMk/>
+          <pc:sldMk cId="2656634409" sldId="256"/>
+        </pc:sldMkLst>
+        <pc:spChg chg="mod">
+          <ac:chgData name="Zhao Zhang" userId="a0a3655b90784889" providerId="LiveId" clId="{7020FF79-8156-4F83-8400-3D87824120EB}" dt="2021-03-12T11:56:07.330" v="638" actId="20577"/>
+          <ac:spMkLst>
+            <pc:docMk/>
+            <pc:sldMk cId="2656634409" sldId="256"/>
+            <ac:spMk id="3" creationId="{BE028FDE-C713-49D7-9F13-D05C8C9C36C7}"/>
+          </ac:spMkLst>
+        </pc:spChg>
+      </pc:sldChg>
+      <pc:sldChg chg="modSp mod">
+        <pc:chgData name="Zhao Zhang" userId="a0a3655b90784889" providerId="LiveId" clId="{7020FF79-8156-4F83-8400-3D87824120EB}" dt="2021-03-12T11:54:48.737" v="607" actId="20577"/>
+        <pc:sldMkLst>
+          <pc:docMk/>
+          <pc:sldMk cId="4269164620" sldId="257"/>
+        </pc:sldMkLst>
+        <pc:spChg chg="mod">
+          <ac:chgData name="Zhao Zhang" userId="a0a3655b90784889" providerId="LiveId" clId="{7020FF79-8156-4F83-8400-3D87824120EB}" dt="2021-03-12T11:54:48.737" v="607" actId="20577"/>
+          <ac:spMkLst>
+            <pc:docMk/>
+            <pc:sldMk cId="4269164620" sldId="257"/>
+            <ac:spMk id="3" creationId="{75A95780-C11F-432E-BEFE-6D2107765FB2}"/>
+          </ac:spMkLst>
+        </pc:spChg>
+      </pc:sldChg>
+      <pc:sldChg chg="modSp mod">
+        <pc:chgData name="Zhao Zhang" userId="a0a3655b90784889" providerId="LiveId" clId="{7020FF79-8156-4F83-8400-3D87824120EB}" dt="2021-03-12T11:52:00.183" v="219" actId="20577"/>
+        <pc:sldMkLst>
+          <pc:docMk/>
+          <pc:sldMk cId="1803737342" sldId="258"/>
+        </pc:sldMkLst>
+        <pc:spChg chg="mod">
+          <ac:chgData name="Zhao Zhang" userId="a0a3655b90784889" providerId="LiveId" clId="{7020FF79-8156-4F83-8400-3D87824120EB}" dt="2021-03-12T11:52:00.183" v="219" actId="20577"/>
+          <ac:spMkLst>
+            <pc:docMk/>
+            <pc:sldMk cId="1803737342" sldId="258"/>
+            <ac:spMk id="3" creationId="{ADE8F973-F88A-4D00-9DFC-DAB46202FDC6}"/>
+          </ac:spMkLst>
+        </pc:spChg>
+      </pc:sldChg>
+    </pc:docChg>
+  </pc:docChgLst>
+</pc:chgInfo>
 </file>
 
 <file path=ppt/slideLayouts/slideLayout1.xml><?xml version="1.0" encoding="utf-8"?>
@@ -258,7 +322,7 @@
           <a:p>
             <a:fld id="{F4340EBE-FDD5-4EF4-AF50-2D4C72FE2CC5}" type="datetimeFigureOut">
               <a:rPr lang="en-GB" smtClean="0"/>
-              <a:t>25/02/2021</a:t>
+              <a:t>12/03/2021</a:t>
             </a:fld>
             <a:endParaRPr lang="en-GB"/>
           </a:p>
@@ -458,7 +522,7 @@
           <a:p>
             <a:fld id="{F4340EBE-FDD5-4EF4-AF50-2D4C72FE2CC5}" type="datetimeFigureOut">
               <a:rPr lang="en-GB" smtClean="0"/>
-              <a:t>25/02/2021</a:t>
+              <a:t>12/03/2021</a:t>
             </a:fld>
             <a:endParaRPr lang="en-GB"/>
           </a:p>
@@ -668,7 +732,7 @@
           <a:p>
             <a:fld id="{F4340EBE-FDD5-4EF4-AF50-2D4C72FE2CC5}" type="datetimeFigureOut">
               <a:rPr lang="en-GB" smtClean="0"/>
-              <a:t>25/02/2021</a:t>
+              <a:t>12/03/2021</a:t>
             </a:fld>
             <a:endParaRPr lang="en-GB"/>
           </a:p>
@@ -868,7 +932,7 @@
           <a:p>
             <a:fld id="{F4340EBE-FDD5-4EF4-AF50-2D4C72FE2CC5}" type="datetimeFigureOut">
               <a:rPr lang="en-GB" smtClean="0"/>
-              <a:t>25/02/2021</a:t>
+              <a:t>12/03/2021</a:t>
             </a:fld>
             <a:endParaRPr lang="en-GB"/>
           </a:p>
@@ -1144,7 +1208,7 @@
           <a:p>
             <a:fld id="{F4340EBE-FDD5-4EF4-AF50-2D4C72FE2CC5}" type="datetimeFigureOut">
               <a:rPr lang="en-GB" smtClean="0"/>
-              <a:t>25/02/2021</a:t>
+              <a:t>12/03/2021</a:t>
             </a:fld>
             <a:endParaRPr lang="en-GB"/>
           </a:p>
@@ -1412,7 +1476,7 @@
           <a:p>
             <a:fld id="{F4340EBE-FDD5-4EF4-AF50-2D4C72FE2CC5}" type="datetimeFigureOut">
               <a:rPr lang="en-GB" smtClean="0"/>
-              <a:t>25/02/2021</a:t>
+              <a:t>12/03/2021</a:t>
             </a:fld>
             <a:endParaRPr lang="en-GB"/>
           </a:p>
@@ -1827,7 +1891,7 @@
           <a:p>
             <a:fld id="{F4340EBE-FDD5-4EF4-AF50-2D4C72FE2CC5}" type="datetimeFigureOut">
               <a:rPr lang="en-GB" smtClean="0"/>
-              <a:t>25/02/2021</a:t>
+              <a:t>12/03/2021</a:t>
             </a:fld>
             <a:endParaRPr lang="en-GB"/>
           </a:p>
@@ -1969,7 +2033,7 @@
           <a:p>
             <a:fld id="{F4340EBE-FDD5-4EF4-AF50-2D4C72FE2CC5}" type="datetimeFigureOut">
               <a:rPr lang="en-GB" smtClean="0"/>
-              <a:t>25/02/2021</a:t>
+              <a:t>12/03/2021</a:t>
             </a:fld>
             <a:endParaRPr lang="en-GB"/>
           </a:p>
@@ -2082,7 +2146,7 @@
           <a:p>
             <a:fld id="{F4340EBE-FDD5-4EF4-AF50-2D4C72FE2CC5}" type="datetimeFigureOut">
               <a:rPr lang="en-GB" smtClean="0"/>
-              <a:t>25/02/2021</a:t>
+              <a:t>12/03/2021</a:t>
             </a:fld>
             <a:endParaRPr lang="en-GB"/>
           </a:p>
@@ -2395,7 +2459,7 @@
           <a:p>
             <a:fld id="{F4340EBE-FDD5-4EF4-AF50-2D4C72FE2CC5}" type="datetimeFigureOut">
               <a:rPr lang="en-GB" smtClean="0"/>
-              <a:t>25/02/2021</a:t>
+              <a:t>12/03/2021</a:t>
             </a:fld>
             <a:endParaRPr lang="en-GB"/>
           </a:p>
@@ -2684,7 +2748,7 @@
           <a:p>
             <a:fld id="{F4340EBE-FDD5-4EF4-AF50-2D4C72FE2CC5}" type="datetimeFigureOut">
               <a:rPr lang="en-GB" smtClean="0"/>
-              <a:t>25/02/2021</a:t>
+              <a:t>12/03/2021</a:t>
             </a:fld>
             <a:endParaRPr lang="en-GB"/>
           </a:p>
@@ -2927,7 +2991,7 @@
           <a:p>
             <a:fld id="{F4340EBE-FDD5-4EF4-AF50-2D4C72FE2CC5}" type="datetimeFigureOut">
               <a:rPr lang="en-GB" smtClean="0"/>
-              <a:t>25/02/2021</a:t>
+              <a:t>12/03/2021</a:t>
             </a:fld>
             <a:endParaRPr lang="en-GB"/>
           </a:p>
@@ -3410,7 +3474,7 @@
             </a:pPr>
             <a:r>
               <a:rPr lang="en-US" dirty="0"/>
-              <a:t>Started implementing the application and algorithm</a:t>
+              <a:t>Implementing the application and algorithm</a:t>
             </a:r>
           </a:p>
           <a:p>
@@ -3432,6 +3496,30 @@
               <a:rPr lang="en-US" dirty="0"/>
               <a:t>Working on reformatting the report</a:t>
             </a:r>
+          </a:p>
+          <a:p>
+            <a:pPr marL="342900" indent="-342900" algn="l">
+              <a:buFont typeface="Arial" panose="020B0604020202020204" pitchFamily="34" charset="0"/>
+              <a:buChar char="•"/>
+            </a:pPr>
+            <a:r>
+              <a:rPr lang="en-US" dirty="0"/>
+              <a:t>Refactoring of the code</a:t>
+            </a:r>
+          </a:p>
+          <a:p>
+            <a:pPr marL="342900" indent="-342900" algn="l">
+              <a:buFont typeface="Arial" panose="020B0604020202020204" pitchFamily="34" charset="0"/>
+              <a:buChar char="•"/>
+            </a:pPr>
+            <a:endParaRPr lang="en-US" dirty="0"/>
+          </a:p>
+          <a:p>
+            <a:pPr marL="342900" indent="-342900" algn="l">
+              <a:buFont typeface="Arial" panose="020B0604020202020204" pitchFamily="34" charset="0"/>
+              <a:buChar char="•"/>
+            </a:pPr>
+            <a:endParaRPr lang="en-US" dirty="0"/>
           </a:p>
           <a:p>
             <a:pPr algn="l"/>
@@ -3539,8 +3627,20 @@
           </a:p>
           <a:p>
             <a:r>
+              <a:rPr lang="en-US" dirty="0"/>
+              <a:t>In terms of refactoring, shall I include that in the implementation section or shall I include it in the evaluation?</a:t>
+            </a:r>
+          </a:p>
+          <a:p>
+            <a:r>
               <a:rPr lang="en-GB" dirty="0"/>
               <a:t>How to reference each source used?</a:t>
+            </a:r>
+          </a:p>
+          <a:p>
+            <a:r>
+              <a:rPr lang="en-GB" dirty="0"/>
+              <a:t>How do I upload and use pictures in the report? Because I’m not very familiar with latex function, can you show me how to do it?</a:t>
             </a:r>
           </a:p>
           <a:p>
@@ -3637,7 +3737,7 @@
           <a:p>
             <a:r>
               <a:rPr lang="en-US" dirty="0"/>
-              <a:t>How much testing do I need to do?</a:t>
+              <a:t>Is it okay to let my family test the software and provide me some feedback?</a:t>
             </a:r>
           </a:p>
           <a:p>
@@ -3649,17 +3749,19 @@
           <a:p>
             <a:r>
               <a:rPr lang="en-US" dirty="0"/>
+              <a:t>Do I need to write anything in the professional issue section of the report? Can I delete that section if I’m not going to use it?</a:t>
+            </a:r>
+          </a:p>
+          <a:p>
+            <a:r>
+              <a:rPr lang="en-US" dirty="0"/>
               <a:t>Carry on with finishing the implementation</a:t>
             </a:r>
           </a:p>
           <a:p>
             <a:r>
               <a:rPr lang="en-US" dirty="0"/>
-              <a:t>Continue working on the </a:t>
-            </a:r>
-            <a:r>
-              <a:rPr lang="en-US"/>
-              <a:t>Final Report</a:t>
+              <a:t>Continue working on the Final Report</a:t>
             </a:r>
           </a:p>
           <a:p>
